--- a/Schematics/CI_CM_VennDiag.pptx
+++ b/Schematics/CI_CM_VennDiag.pptx
@@ -2,12 +2,12 @@
 <file path=ppt/presentation.xml><?xml version="1.0" encoding="utf-8"?>
 <p:presentation xmlns:a="http://schemas.openxmlformats.org/drawingml/2006/main" xmlns:r="http://schemas.openxmlformats.org/officeDocument/2006/relationships" xmlns:p="http://schemas.openxmlformats.org/presentationml/2006/main" saveSubsetFonts="1" autoCompressPictures="0">
   <p:sldMasterIdLst>
-    <p:sldMasterId id="2147483684" r:id="rId1"/>
+    <p:sldMasterId id="2147483720" r:id="rId1"/>
   </p:sldMasterIdLst>
   <p:sldIdLst>
     <p:sldId id="256" r:id="rId2"/>
   </p:sldIdLst>
-  <p:sldSz cx="6218238" cy="6218238"/>
+  <p:sldSz cx="11055350" cy="6218238"/>
   <p:notesSz cx="6858000" cy="9144000"/>
   <p:defaultTextStyle>
     <a:defPPr>
@@ -104,6 +104,11 @@
       </a:defRPr>
     </a:lvl9pPr>
   </p:defaultTextStyle>
+  <p:extLst>
+    <p:ext uri="{EFAFB233-063F-42B5-8137-9DF3F51BA10A}">
+      <p15:sldGuideLst xmlns:p15="http://schemas.microsoft.com/office/powerpoint/2012/main"/>
+    </p:ext>
+  </p:extLst>
 </p:presentation>
 </file>
 
@@ -136,15 +141,15 @@
         </p:nvSpPr>
         <p:spPr>
           <a:xfrm>
-            <a:off x="466368" y="1017661"/>
-            <a:ext cx="5285502" cy="2164868"/>
+            <a:off x="1381919" y="1017661"/>
+            <a:ext cx="8291513" cy="2164868"/>
           </a:xfrm>
         </p:spPr>
         <p:txBody>
           <a:bodyPr anchor="b"/>
           <a:lstStyle>
             <a:lvl1pPr algn="ctr">
-              <a:defRPr sz="4080"/>
+              <a:defRPr sz="5440"/>
             </a:lvl1pPr>
           </a:lstStyle>
           <a:p>
@@ -168,8 +173,8 @@
         </p:nvSpPr>
         <p:spPr>
           <a:xfrm>
-            <a:off x="777280" y="3266015"/>
-            <a:ext cx="4663679" cy="1501301"/>
+            <a:off x="1381919" y="3266015"/>
+            <a:ext cx="8291513" cy="1501301"/>
           </a:xfrm>
         </p:spPr>
         <p:txBody>
@@ -177,39 +182,39 @@
           <a:lstStyle>
             <a:lvl1pPr marL="0" indent="0" algn="ctr">
               <a:buNone/>
+              <a:defRPr sz="2176"/>
+            </a:lvl1pPr>
+            <a:lvl2pPr marL="414543" indent="0" algn="ctr">
+              <a:buNone/>
+              <a:defRPr sz="1813"/>
+            </a:lvl2pPr>
+            <a:lvl3pPr marL="829086" indent="0" algn="ctr">
+              <a:buNone/>
               <a:defRPr sz="1632"/>
-            </a:lvl1pPr>
-            <a:lvl2pPr marL="310896" indent="0" algn="ctr">
-              <a:buNone/>
-              <a:defRPr sz="1360"/>
-            </a:lvl2pPr>
-            <a:lvl3pPr marL="621792" indent="0" algn="ctr">
-              <a:buNone/>
-              <a:defRPr sz="1224"/>
             </a:lvl3pPr>
-            <a:lvl4pPr marL="932688" indent="0" algn="ctr">
-              <a:buNone/>
-              <a:defRPr sz="1088"/>
+            <a:lvl4pPr marL="1243630" indent="0" algn="ctr">
+              <a:buNone/>
+              <a:defRPr sz="1451"/>
             </a:lvl4pPr>
-            <a:lvl5pPr marL="1243584" indent="0" algn="ctr">
-              <a:buNone/>
-              <a:defRPr sz="1088"/>
+            <a:lvl5pPr marL="1658173" indent="0" algn="ctr">
+              <a:buNone/>
+              <a:defRPr sz="1451"/>
             </a:lvl5pPr>
-            <a:lvl6pPr marL="1554480" indent="0" algn="ctr">
-              <a:buNone/>
-              <a:defRPr sz="1088"/>
+            <a:lvl6pPr marL="2072716" indent="0" algn="ctr">
+              <a:buNone/>
+              <a:defRPr sz="1451"/>
             </a:lvl6pPr>
-            <a:lvl7pPr marL="1865376" indent="0" algn="ctr">
-              <a:buNone/>
-              <a:defRPr sz="1088"/>
+            <a:lvl7pPr marL="2487259" indent="0" algn="ctr">
+              <a:buNone/>
+              <a:defRPr sz="1451"/>
             </a:lvl7pPr>
-            <a:lvl8pPr marL="2176272" indent="0" algn="ctr">
-              <a:buNone/>
-              <a:defRPr sz="1088"/>
+            <a:lvl8pPr marL="2901803" indent="0" algn="ctr">
+              <a:buNone/>
+              <a:defRPr sz="1451"/>
             </a:lvl8pPr>
-            <a:lvl9pPr marL="2487168" indent="0" algn="ctr">
-              <a:buNone/>
-              <a:defRPr sz="1088"/>
+            <a:lvl9pPr marL="3316346" indent="0" algn="ctr">
+              <a:buNone/>
+              <a:defRPr sz="1451"/>
             </a:lvl9pPr>
           </a:lstStyle>
           <a:p>
@@ -238,7 +243,7 @@
           <a:p>
             <a:fld id="{1443360F-6A4A-114B-BF4E-EC83570D5527}" type="datetimeFigureOut">
               <a:rPr lang="en-US" smtClean="0"/>
-              <a:t>12/7/25</a:t>
+              <a:t>12/8/25</a:t>
             </a:fld>
             <a:endParaRPr lang="en-US"/>
           </a:p>
@@ -289,7 +294,7 @@
     </p:spTree>
     <p:extLst>
       <p:ext uri="{BB962C8B-B14F-4D97-AF65-F5344CB8AC3E}">
-        <p14:creationId xmlns:p14="http://schemas.microsoft.com/office/powerpoint/2010/main" val="160614211"/>
+        <p14:creationId xmlns:p14="http://schemas.microsoft.com/office/powerpoint/2010/main" val="248270996"/>
       </p:ext>
     </p:extLst>
   </p:cSld>
@@ -408,7 +413,7 @@
           <a:p>
             <a:fld id="{1443360F-6A4A-114B-BF4E-EC83570D5527}" type="datetimeFigureOut">
               <a:rPr lang="en-US" smtClean="0"/>
-              <a:t>12/7/25</a:t>
+              <a:t>12/8/25</a:t>
             </a:fld>
             <a:endParaRPr lang="en-US"/>
           </a:p>
@@ -459,7 +464,7 @@
     </p:spTree>
     <p:extLst>
       <p:ext uri="{BB962C8B-B14F-4D97-AF65-F5344CB8AC3E}">
-        <p14:creationId xmlns:p14="http://schemas.microsoft.com/office/powerpoint/2010/main" val="1902309186"/>
+        <p14:creationId xmlns:p14="http://schemas.microsoft.com/office/powerpoint/2010/main" val="2040699503"/>
       </p:ext>
     </p:extLst>
   </p:cSld>
@@ -498,8 +503,8 @@
         </p:nvSpPr>
         <p:spPr>
           <a:xfrm>
-            <a:off x="4449927" y="331064"/>
-            <a:ext cx="1340808" cy="5269669"/>
+            <a:off x="7911485" y="331064"/>
+            <a:ext cx="2383810" cy="5269669"/>
           </a:xfrm>
         </p:spPr>
         <p:txBody>
@@ -526,8 +531,8 @@
         </p:nvSpPr>
         <p:spPr>
           <a:xfrm>
-            <a:off x="427504" y="331064"/>
-            <a:ext cx="3944695" cy="5269669"/>
+            <a:off x="760055" y="331064"/>
+            <a:ext cx="7013238" cy="5269669"/>
           </a:xfrm>
         </p:spPr>
         <p:txBody>
@@ -588,7 +593,7 @@
           <a:p>
             <a:fld id="{1443360F-6A4A-114B-BF4E-EC83570D5527}" type="datetimeFigureOut">
               <a:rPr lang="en-US" smtClean="0"/>
-              <a:t>12/7/25</a:t>
+              <a:t>12/8/25</a:t>
             </a:fld>
             <a:endParaRPr lang="en-US"/>
           </a:p>
@@ -639,7 +644,7 @@
     </p:spTree>
     <p:extLst>
       <p:ext uri="{BB962C8B-B14F-4D97-AF65-F5344CB8AC3E}">
-        <p14:creationId xmlns:p14="http://schemas.microsoft.com/office/powerpoint/2010/main" val="1017713478"/>
+        <p14:creationId xmlns:p14="http://schemas.microsoft.com/office/powerpoint/2010/main" val="1186429481"/>
       </p:ext>
     </p:extLst>
   </p:cSld>
@@ -758,7 +763,7 @@
           <a:p>
             <a:fld id="{1443360F-6A4A-114B-BF4E-EC83570D5527}" type="datetimeFigureOut">
               <a:rPr lang="en-US" smtClean="0"/>
-              <a:t>12/7/25</a:t>
+              <a:t>12/8/25</a:t>
             </a:fld>
             <a:endParaRPr lang="en-US"/>
           </a:p>
@@ -809,7 +814,7 @@
     </p:spTree>
     <p:extLst>
       <p:ext uri="{BB962C8B-B14F-4D97-AF65-F5344CB8AC3E}">
-        <p14:creationId xmlns:p14="http://schemas.microsoft.com/office/powerpoint/2010/main" val="680011363"/>
+        <p14:creationId xmlns:p14="http://schemas.microsoft.com/office/powerpoint/2010/main" val="616300016"/>
       </p:ext>
     </p:extLst>
   </p:cSld>
@@ -848,15 +853,15 @@
         </p:nvSpPr>
         <p:spPr>
           <a:xfrm>
-            <a:off x="424266" y="1550243"/>
-            <a:ext cx="5363230" cy="2586614"/>
+            <a:off x="754298" y="1550242"/>
+            <a:ext cx="9535239" cy="2586614"/>
           </a:xfrm>
         </p:spPr>
         <p:txBody>
           <a:bodyPr anchor="b"/>
           <a:lstStyle>
             <a:lvl1pPr>
-              <a:defRPr sz="4080"/>
+              <a:defRPr sz="5440"/>
             </a:lvl1pPr>
           </a:lstStyle>
           <a:p>
@@ -880,8 +885,8 @@
         </p:nvSpPr>
         <p:spPr>
           <a:xfrm>
-            <a:off x="424266" y="4161327"/>
-            <a:ext cx="5363230" cy="1360239"/>
+            <a:off x="754298" y="4161326"/>
+            <a:ext cx="9535239" cy="1360239"/>
           </a:xfrm>
         </p:spPr>
         <p:txBody>
@@ -889,15 +894,17 @@
           <a:lstStyle>
             <a:lvl1pPr marL="0" indent="0">
               <a:buNone/>
-              <a:defRPr sz="1632">
+              <a:defRPr sz="2176">
                 <a:solidFill>
-                  <a:schemeClr val="tx1"/>
+                  <a:schemeClr val="tx1">
+                    <a:tint val="75000"/>
+                  </a:schemeClr>
                 </a:solidFill>
               </a:defRPr>
             </a:lvl1pPr>
-            <a:lvl2pPr marL="310896" indent="0">
-              <a:buNone/>
-              <a:defRPr sz="1360">
+            <a:lvl2pPr marL="414543" indent="0">
+              <a:buNone/>
+              <a:defRPr sz="1813">
                 <a:solidFill>
                   <a:schemeClr val="tx1">
                     <a:tint val="75000"/>
@@ -905,9 +912,9 @@
                 </a:solidFill>
               </a:defRPr>
             </a:lvl2pPr>
-            <a:lvl3pPr marL="621792" indent="0">
-              <a:buNone/>
-              <a:defRPr sz="1224">
+            <a:lvl3pPr marL="829086" indent="0">
+              <a:buNone/>
+              <a:defRPr sz="1632">
                 <a:solidFill>
                   <a:schemeClr val="tx1">
                     <a:tint val="75000"/>
@@ -915,9 +922,9 @@
                 </a:solidFill>
               </a:defRPr>
             </a:lvl3pPr>
-            <a:lvl4pPr marL="932688" indent="0">
-              <a:buNone/>
-              <a:defRPr sz="1088">
+            <a:lvl4pPr marL="1243630" indent="0">
+              <a:buNone/>
+              <a:defRPr sz="1451">
                 <a:solidFill>
                   <a:schemeClr val="tx1">
                     <a:tint val="75000"/>
@@ -925,9 +932,9 @@
                 </a:solidFill>
               </a:defRPr>
             </a:lvl4pPr>
-            <a:lvl5pPr marL="1243584" indent="0">
-              <a:buNone/>
-              <a:defRPr sz="1088">
+            <a:lvl5pPr marL="1658173" indent="0">
+              <a:buNone/>
+              <a:defRPr sz="1451">
                 <a:solidFill>
                   <a:schemeClr val="tx1">
                     <a:tint val="75000"/>
@@ -935,9 +942,9 @@
                 </a:solidFill>
               </a:defRPr>
             </a:lvl5pPr>
-            <a:lvl6pPr marL="1554480" indent="0">
-              <a:buNone/>
-              <a:defRPr sz="1088">
+            <a:lvl6pPr marL="2072716" indent="0">
+              <a:buNone/>
+              <a:defRPr sz="1451">
                 <a:solidFill>
                   <a:schemeClr val="tx1">
                     <a:tint val="75000"/>
@@ -945,9 +952,9 @@
                 </a:solidFill>
               </a:defRPr>
             </a:lvl6pPr>
-            <a:lvl7pPr marL="1865376" indent="0">
-              <a:buNone/>
-              <a:defRPr sz="1088">
+            <a:lvl7pPr marL="2487259" indent="0">
+              <a:buNone/>
+              <a:defRPr sz="1451">
                 <a:solidFill>
                   <a:schemeClr val="tx1">
                     <a:tint val="75000"/>
@@ -955,9 +962,9 @@
                 </a:solidFill>
               </a:defRPr>
             </a:lvl7pPr>
-            <a:lvl8pPr marL="2176272" indent="0">
-              <a:buNone/>
-              <a:defRPr sz="1088">
+            <a:lvl8pPr marL="2901803" indent="0">
+              <a:buNone/>
+              <a:defRPr sz="1451">
                 <a:solidFill>
                   <a:schemeClr val="tx1">
                     <a:tint val="75000"/>
@@ -965,9 +972,9 @@
                 </a:solidFill>
               </a:defRPr>
             </a:lvl8pPr>
-            <a:lvl9pPr marL="2487168" indent="0">
-              <a:buNone/>
-              <a:defRPr sz="1088">
+            <a:lvl9pPr marL="3316346" indent="0">
+              <a:buNone/>
+              <a:defRPr sz="1451">
                 <a:solidFill>
                   <a:schemeClr val="tx1">
                     <a:tint val="75000"/>
@@ -1002,7 +1009,7 @@
           <a:p>
             <a:fld id="{1443360F-6A4A-114B-BF4E-EC83570D5527}" type="datetimeFigureOut">
               <a:rPr lang="en-US" smtClean="0"/>
-              <a:t>12/7/25</a:t>
+              <a:t>12/8/25</a:t>
             </a:fld>
             <a:endParaRPr lang="en-US"/>
           </a:p>
@@ -1053,7 +1060,7 @@
     </p:spTree>
     <p:extLst>
       <p:ext uri="{BB962C8B-B14F-4D97-AF65-F5344CB8AC3E}">
-        <p14:creationId xmlns:p14="http://schemas.microsoft.com/office/powerpoint/2010/main" val="3061757074"/>
+        <p14:creationId xmlns:p14="http://schemas.microsoft.com/office/powerpoint/2010/main" val="3886288704"/>
       </p:ext>
     </p:extLst>
   </p:cSld>
@@ -1115,8 +1122,8 @@
         </p:nvSpPr>
         <p:spPr>
           <a:xfrm>
-            <a:off x="427504" y="1655318"/>
-            <a:ext cx="2642751" cy="3945415"/>
+            <a:off x="760055" y="1655318"/>
+            <a:ext cx="4698524" cy="3945415"/>
           </a:xfrm>
         </p:spPr>
         <p:txBody>
@@ -1172,8 +1179,8 @@
         </p:nvSpPr>
         <p:spPr>
           <a:xfrm>
-            <a:off x="3147983" y="1655318"/>
-            <a:ext cx="2642751" cy="3945415"/>
+            <a:off x="5596771" y="1655318"/>
+            <a:ext cx="4698524" cy="3945415"/>
           </a:xfrm>
         </p:spPr>
         <p:txBody>
@@ -1234,7 +1241,7 @@
           <a:p>
             <a:fld id="{1443360F-6A4A-114B-BF4E-EC83570D5527}" type="datetimeFigureOut">
               <a:rPr lang="en-US" smtClean="0"/>
-              <a:t>12/7/25</a:t>
+              <a:t>12/8/25</a:t>
             </a:fld>
             <a:endParaRPr lang="en-US"/>
           </a:p>
@@ -1285,7 +1292,7 @@
     </p:spTree>
     <p:extLst>
       <p:ext uri="{BB962C8B-B14F-4D97-AF65-F5344CB8AC3E}">
-        <p14:creationId xmlns:p14="http://schemas.microsoft.com/office/powerpoint/2010/main" val="3495289184"/>
+        <p14:creationId xmlns:p14="http://schemas.microsoft.com/office/powerpoint/2010/main" val="2961556477"/>
       </p:ext>
     </p:extLst>
   </p:cSld>
@@ -1324,8 +1331,8 @@
         </p:nvSpPr>
         <p:spPr>
           <a:xfrm>
-            <a:off x="428314" y="331065"/>
-            <a:ext cx="5363230" cy="1201905"/>
+            <a:off x="761495" y="331064"/>
+            <a:ext cx="9535239" cy="1201905"/>
           </a:xfrm>
         </p:spPr>
         <p:txBody>
@@ -1352,8 +1359,8 @@
         </p:nvSpPr>
         <p:spPr>
           <a:xfrm>
-            <a:off x="428314" y="1524332"/>
-            <a:ext cx="2630606" cy="747052"/>
+            <a:off x="761496" y="1524332"/>
+            <a:ext cx="4676931" cy="747052"/>
           </a:xfrm>
         </p:spPr>
         <p:txBody>
@@ -1361,39 +1368,39 @@
           <a:lstStyle>
             <a:lvl1pPr marL="0" indent="0">
               <a:buNone/>
+              <a:defRPr sz="2176" b="1"/>
+            </a:lvl1pPr>
+            <a:lvl2pPr marL="414543" indent="0">
+              <a:buNone/>
+              <a:defRPr sz="1813" b="1"/>
+            </a:lvl2pPr>
+            <a:lvl3pPr marL="829086" indent="0">
+              <a:buNone/>
               <a:defRPr sz="1632" b="1"/>
-            </a:lvl1pPr>
-            <a:lvl2pPr marL="310896" indent="0">
-              <a:buNone/>
-              <a:defRPr sz="1360" b="1"/>
-            </a:lvl2pPr>
-            <a:lvl3pPr marL="621792" indent="0">
-              <a:buNone/>
-              <a:defRPr sz="1224" b="1"/>
             </a:lvl3pPr>
-            <a:lvl4pPr marL="932688" indent="0">
-              <a:buNone/>
-              <a:defRPr sz="1088" b="1"/>
+            <a:lvl4pPr marL="1243630" indent="0">
+              <a:buNone/>
+              <a:defRPr sz="1451" b="1"/>
             </a:lvl4pPr>
-            <a:lvl5pPr marL="1243584" indent="0">
-              <a:buNone/>
-              <a:defRPr sz="1088" b="1"/>
+            <a:lvl5pPr marL="1658173" indent="0">
+              <a:buNone/>
+              <a:defRPr sz="1451" b="1"/>
             </a:lvl5pPr>
-            <a:lvl6pPr marL="1554480" indent="0">
-              <a:buNone/>
-              <a:defRPr sz="1088" b="1"/>
+            <a:lvl6pPr marL="2072716" indent="0">
+              <a:buNone/>
+              <a:defRPr sz="1451" b="1"/>
             </a:lvl6pPr>
-            <a:lvl7pPr marL="1865376" indent="0">
-              <a:buNone/>
-              <a:defRPr sz="1088" b="1"/>
+            <a:lvl7pPr marL="2487259" indent="0">
+              <a:buNone/>
+              <a:defRPr sz="1451" b="1"/>
             </a:lvl7pPr>
-            <a:lvl8pPr marL="2176272" indent="0">
-              <a:buNone/>
-              <a:defRPr sz="1088" b="1"/>
+            <a:lvl8pPr marL="2901803" indent="0">
+              <a:buNone/>
+              <a:defRPr sz="1451" b="1"/>
             </a:lvl8pPr>
-            <a:lvl9pPr marL="2487168" indent="0">
-              <a:buNone/>
-              <a:defRPr sz="1088" b="1"/>
+            <a:lvl9pPr marL="3316346" indent="0">
+              <a:buNone/>
+              <a:defRPr sz="1451" b="1"/>
             </a:lvl9pPr>
           </a:lstStyle>
           <a:p>
@@ -1417,8 +1424,8 @@
         </p:nvSpPr>
         <p:spPr>
           <a:xfrm>
-            <a:off x="428314" y="2271384"/>
-            <a:ext cx="2630606" cy="3340864"/>
+            <a:off x="761496" y="2271384"/>
+            <a:ext cx="4676931" cy="3340864"/>
           </a:xfrm>
         </p:spPr>
         <p:txBody>
@@ -1474,8 +1481,8 @@
         </p:nvSpPr>
         <p:spPr>
           <a:xfrm>
-            <a:off x="3147983" y="1524332"/>
-            <a:ext cx="2643561" cy="747052"/>
+            <a:off x="5596771" y="1524332"/>
+            <a:ext cx="4699964" cy="747052"/>
           </a:xfrm>
         </p:spPr>
         <p:txBody>
@@ -1483,39 +1490,39 @@
           <a:lstStyle>
             <a:lvl1pPr marL="0" indent="0">
               <a:buNone/>
+              <a:defRPr sz="2176" b="1"/>
+            </a:lvl1pPr>
+            <a:lvl2pPr marL="414543" indent="0">
+              <a:buNone/>
+              <a:defRPr sz="1813" b="1"/>
+            </a:lvl2pPr>
+            <a:lvl3pPr marL="829086" indent="0">
+              <a:buNone/>
               <a:defRPr sz="1632" b="1"/>
-            </a:lvl1pPr>
-            <a:lvl2pPr marL="310896" indent="0">
-              <a:buNone/>
-              <a:defRPr sz="1360" b="1"/>
-            </a:lvl2pPr>
-            <a:lvl3pPr marL="621792" indent="0">
-              <a:buNone/>
-              <a:defRPr sz="1224" b="1"/>
             </a:lvl3pPr>
-            <a:lvl4pPr marL="932688" indent="0">
-              <a:buNone/>
-              <a:defRPr sz="1088" b="1"/>
+            <a:lvl4pPr marL="1243630" indent="0">
+              <a:buNone/>
+              <a:defRPr sz="1451" b="1"/>
             </a:lvl4pPr>
-            <a:lvl5pPr marL="1243584" indent="0">
-              <a:buNone/>
-              <a:defRPr sz="1088" b="1"/>
+            <a:lvl5pPr marL="1658173" indent="0">
+              <a:buNone/>
+              <a:defRPr sz="1451" b="1"/>
             </a:lvl5pPr>
-            <a:lvl6pPr marL="1554480" indent="0">
-              <a:buNone/>
-              <a:defRPr sz="1088" b="1"/>
+            <a:lvl6pPr marL="2072716" indent="0">
+              <a:buNone/>
+              <a:defRPr sz="1451" b="1"/>
             </a:lvl6pPr>
-            <a:lvl7pPr marL="1865376" indent="0">
-              <a:buNone/>
-              <a:defRPr sz="1088" b="1"/>
+            <a:lvl7pPr marL="2487259" indent="0">
+              <a:buNone/>
+              <a:defRPr sz="1451" b="1"/>
             </a:lvl7pPr>
-            <a:lvl8pPr marL="2176272" indent="0">
-              <a:buNone/>
-              <a:defRPr sz="1088" b="1"/>
+            <a:lvl8pPr marL="2901803" indent="0">
+              <a:buNone/>
+              <a:defRPr sz="1451" b="1"/>
             </a:lvl8pPr>
-            <a:lvl9pPr marL="2487168" indent="0">
-              <a:buNone/>
-              <a:defRPr sz="1088" b="1"/>
+            <a:lvl9pPr marL="3316346" indent="0">
+              <a:buNone/>
+              <a:defRPr sz="1451" b="1"/>
             </a:lvl9pPr>
           </a:lstStyle>
           <a:p>
@@ -1539,8 +1546,8 @@
         </p:nvSpPr>
         <p:spPr>
           <a:xfrm>
-            <a:off x="3147983" y="2271384"/>
-            <a:ext cx="2643561" cy="3340864"/>
+            <a:off x="5596771" y="2271384"/>
+            <a:ext cx="4699964" cy="3340864"/>
           </a:xfrm>
         </p:spPr>
         <p:txBody>
@@ -1601,7 +1608,7 @@
           <a:p>
             <a:fld id="{1443360F-6A4A-114B-BF4E-EC83570D5527}" type="datetimeFigureOut">
               <a:rPr lang="en-US" smtClean="0"/>
-              <a:t>12/7/25</a:t>
+              <a:t>12/8/25</a:t>
             </a:fld>
             <a:endParaRPr lang="en-US"/>
           </a:p>
@@ -1652,7 +1659,7 @@
     </p:spTree>
     <p:extLst>
       <p:ext uri="{BB962C8B-B14F-4D97-AF65-F5344CB8AC3E}">
-        <p14:creationId xmlns:p14="http://schemas.microsoft.com/office/powerpoint/2010/main" val="3882649067"/>
+        <p14:creationId xmlns:p14="http://schemas.microsoft.com/office/powerpoint/2010/main" val="777287095"/>
       </p:ext>
     </p:extLst>
   </p:cSld>
@@ -1719,7 +1726,7 @@
           <a:p>
             <a:fld id="{1443360F-6A4A-114B-BF4E-EC83570D5527}" type="datetimeFigureOut">
               <a:rPr lang="en-US" smtClean="0"/>
-              <a:t>12/7/25</a:t>
+              <a:t>12/8/25</a:t>
             </a:fld>
             <a:endParaRPr lang="en-US"/>
           </a:p>
@@ -1770,7 +1777,7 @@
     </p:spTree>
     <p:extLst>
       <p:ext uri="{BB962C8B-B14F-4D97-AF65-F5344CB8AC3E}">
-        <p14:creationId xmlns:p14="http://schemas.microsoft.com/office/powerpoint/2010/main" val="384060706"/>
+        <p14:creationId xmlns:p14="http://schemas.microsoft.com/office/powerpoint/2010/main" val="1855016645"/>
       </p:ext>
     </p:extLst>
   </p:cSld>
@@ -1814,7 +1821,7 @@
           <a:p>
             <a:fld id="{1443360F-6A4A-114B-BF4E-EC83570D5527}" type="datetimeFigureOut">
               <a:rPr lang="en-US" smtClean="0"/>
-              <a:t>12/7/25</a:t>
+              <a:t>12/8/25</a:t>
             </a:fld>
             <a:endParaRPr lang="en-US"/>
           </a:p>
@@ -1865,7 +1872,7 @@
     </p:spTree>
     <p:extLst>
       <p:ext uri="{BB962C8B-B14F-4D97-AF65-F5344CB8AC3E}">
-        <p14:creationId xmlns:p14="http://schemas.microsoft.com/office/powerpoint/2010/main" val="4262436970"/>
+        <p14:creationId xmlns:p14="http://schemas.microsoft.com/office/powerpoint/2010/main" val="2588322997"/>
       </p:ext>
     </p:extLst>
   </p:cSld>
@@ -1904,15 +1911,15 @@
         </p:nvSpPr>
         <p:spPr>
           <a:xfrm>
-            <a:off x="428314" y="414549"/>
-            <a:ext cx="2005544" cy="1450922"/>
+            <a:off x="761496" y="414549"/>
+            <a:ext cx="3565638" cy="1450922"/>
           </a:xfrm>
         </p:spPr>
         <p:txBody>
           <a:bodyPr anchor="b"/>
           <a:lstStyle>
             <a:lvl1pPr>
-              <a:defRPr sz="2176"/>
+              <a:defRPr sz="2901"/>
             </a:lvl1pPr>
           </a:lstStyle>
           <a:p>
@@ -1936,39 +1943,39 @@
         </p:nvSpPr>
         <p:spPr>
           <a:xfrm>
-            <a:off x="2643561" y="895313"/>
-            <a:ext cx="3147983" cy="4418979"/>
+            <a:off x="4699964" y="895312"/>
+            <a:ext cx="5596771" cy="4418979"/>
           </a:xfrm>
         </p:spPr>
         <p:txBody>
           <a:bodyPr/>
           <a:lstStyle>
             <a:lvl1pPr>
-              <a:defRPr sz="2176"/>
+              <a:defRPr sz="2901"/>
             </a:lvl1pPr>
             <a:lvl2pPr>
-              <a:defRPr sz="1904"/>
+              <a:defRPr sz="2539"/>
             </a:lvl2pPr>
             <a:lvl3pPr>
-              <a:defRPr sz="1632"/>
+              <a:defRPr sz="2176"/>
             </a:lvl3pPr>
             <a:lvl4pPr>
-              <a:defRPr sz="1360"/>
+              <a:defRPr sz="1813"/>
             </a:lvl4pPr>
             <a:lvl5pPr>
-              <a:defRPr sz="1360"/>
+              <a:defRPr sz="1813"/>
             </a:lvl5pPr>
             <a:lvl6pPr>
-              <a:defRPr sz="1360"/>
+              <a:defRPr sz="1813"/>
             </a:lvl6pPr>
             <a:lvl7pPr>
-              <a:defRPr sz="1360"/>
+              <a:defRPr sz="1813"/>
             </a:lvl7pPr>
             <a:lvl8pPr>
-              <a:defRPr sz="1360"/>
+              <a:defRPr sz="1813"/>
             </a:lvl8pPr>
             <a:lvl9pPr>
-              <a:defRPr sz="1360"/>
+              <a:defRPr sz="1813"/>
             </a:lvl9pPr>
           </a:lstStyle>
           <a:p>
@@ -2021,8 +2028,8 @@
         </p:nvSpPr>
         <p:spPr>
           <a:xfrm>
-            <a:off x="428314" y="1865471"/>
-            <a:ext cx="2005544" cy="3456017"/>
+            <a:off x="761496" y="1865471"/>
+            <a:ext cx="3565638" cy="3456017"/>
           </a:xfrm>
         </p:spPr>
         <p:txBody>
@@ -2030,39 +2037,39 @@
           <a:lstStyle>
             <a:lvl1pPr marL="0" indent="0">
               <a:buNone/>
+              <a:defRPr sz="1451"/>
+            </a:lvl1pPr>
+            <a:lvl2pPr marL="414543" indent="0">
+              <a:buNone/>
+              <a:defRPr sz="1269"/>
+            </a:lvl2pPr>
+            <a:lvl3pPr marL="829086" indent="0">
+              <a:buNone/>
               <a:defRPr sz="1088"/>
-            </a:lvl1pPr>
-            <a:lvl2pPr marL="310896" indent="0">
-              <a:buNone/>
-              <a:defRPr sz="952"/>
-            </a:lvl2pPr>
-            <a:lvl3pPr marL="621792" indent="0">
-              <a:buNone/>
-              <a:defRPr sz="816"/>
             </a:lvl3pPr>
-            <a:lvl4pPr marL="932688" indent="0">
-              <a:buNone/>
-              <a:defRPr sz="680"/>
+            <a:lvl4pPr marL="1243630" indent="0">
+              <a:buNone/>
+              <a:defRPr sz="907"/>
             </a:lvl4pPr>
-            <a:lvl5pPr marL="1243584" indent="0">
-              <a:buNone/>
-              <a:defRPr sz="680"/>
+            <a:lvl5pPr marL="1658173" indent="0">
+              <a:buNone/>
+              <a:defRPr sz="907"/>
             </a:lvl5pPr>
-            <a:lvl6pPr marL="1554480" indent="0">
-              <a:buNone/>
-              <a:defRPr sz="680"/>
+            <a:lvl6pPr marL="2072716" indent="0">
+              <a:buNone/>
+              <a:defRPr sz="907"/>
             </a:lvl6pPr>
-            <a:lvl7pPr marL="1865376" indent="0">
-              <a:buNone/>
-              <a:defRPr sz="680"/>
+            <a:lvl7pPr marL="2487259" indent="0">
+              <a:buNone/>
+              <a:defRPr sz="907"/>
             </a:lvl7pPr>
-            <a:lvl8pPr marL="2176272" indent="0">
-              <a:buNone/>
-              <a:defRPr sz="680"/>
+            <a:lvl8pPr marL="2901803" indent="0">
+              <a:buNone/>
+              <a:defRPr sz="907"/>
             </a:lvl8pPr>
-            <a:lvl9pPr marL="2487168" indent="0">
-              <a:buNone/>
-              <a:defRPr sz="680"/>
+            <a:lvl9pPr marL="3316346" indent="0">
+              <a:buNone/>
+              <a:defRPr sz="907"/>
             </a:lvl9pPr>
           </a:lstStyle>
           <a:p>
@@ -2091,7 +2098,7 @@
           <a:p>
             <a:fld id="{1443360F-6A4A-114B-BF4E-EC83570D5527}" type="datetimeFigureOut">
               <a:rPr lang="en-US" smtClean="0"/>
-              <a:t>12/7/25</a:t>
+              <a:t>12/8/25</a:t>
             </a:fld>
             <a:endParaRPr lang="en-US"/>
           </a:p>
@@ -2142,7 +2149,7 @@
     </p:spTree>
     <p:extLst>
       <p:ext uri="{BB962C8B-B14F-4D97-AF65-F5344CB8AC3E}">
-        <p14:creationId xmlns:p14="http://schemas.microsoft.com/office/powerpoint/2010/main" val="18159424"/>
+        <p14:creationId xmlns:p14="http://schemas.microsoft.com/office/powerpoint/2010/main" val="89145032"/>
       </p:ext>
     </p:extLst>
   </p:cSld>
@@ -2181,15 +2188,15 @@
         </p:nvSpPr>
         <p:spPr>
           <a:xfrm>
-            <a:off x="428314" y="414549"/>
-            <a:ext cx="2005544" cy="1450922"/>
+            <a:off x="761496" y="414549"/>
+            <a:ext cx="3565638" cy="1450922"/>
           </a:xfrm>
         </p:spPr>
         <p:txBody>
           <a:bodyPr anchor="b"/>
           <a:lstStyle>
             <a:lvl1pPr>
-              <a:defRPr sz="2176"/>
+              <a:defRPr sz="2901"/>
             </a:lvl1pPr>
           </a:lstStyle>
           <a:p>
@@ -2213,8 +2220,8 @@
         </p:nvSpPr>
         <p:spPr>
           <a:xfrm>
-            <a:off x="2643561" y="895313"/>
-            <a:ext cx="3147983" cy="4418979"/>
+            <a:off x="4699964" y="895312"/>
+            <a:ext cx="5596771" cy="4418979"/>
           </a:xfrm>
         </p:spPr>
         <p:txBody>
@@ -2222,39 +2229,39 @@
           <a:lstStyle>
             <a:lvl1pPr marL="0" indent="0">
               <a:buNone/>
+              <a:defRPr sz="2901"/>
+            </a:lvl1pPr>
+            <a:lvl2pPr marL="414543" indent="0">
+              <a:buNone/>
+              <a:defRPr sz="2539"/>
+            </a:lvl2pPr>
+            <a:lvl3pPr marL="829086" indent="0">
+              <a:buNone/>
               <a:defRPr sz="2176"/>
-            </a:lvl1pPr>
-            <a:lvl2pPr marL="310896" indent="0">
-              <a:buNone/>
-              <a:defRPr sz="1904"/>
-            </a:lvl2pPr>
-            <a:lvl3pPr marL="621792" indent="0">
-              <a:buNone/>
-              <a:defRPr sz="1632"/>
             </a:lvl3pPr>
-            <a:lvl4pPr marL="932688" indent="0">
-              <a:buNone/>
-              <a:defRPr sz="1360"/>
+            <a:lvl4pPr marL="1243630" indent="0">
+              <a:buNone/>
+              <a:defRPr sz="1813"/>
             </a:lvl4pPr>
-            <a:lvl5pPr marL="1243584" indent="0">
-              <a:buNone/>
-              <a:defRPr sz="1360"/>
+            <a:lvl5pPr marL="1658173" indent="0">
+              <a:buNone/>
+              <a:defRPr sz="1813"/>
             </a:lvl5pPr>
-            <a:lvl6pPr marL="1554480" indent="0">
-              <a:buNone/>
-              <a:defRPr sz="1360"/>
+            <a:lvl6pPr marL="2072716" indent="0">
+              <a:buNone/>
+              <a:defRPr sz="1813"/>
             </a:lvl6pPr>
-            <a:lvl7pPr marL="1865376" indent="0">
-              <a:buNone/>
-              <a:defRPr sz="1360"/>
+            <a:lvl7pPr marL="2487259" indent="0">
+              <a:buNone/>
+              <a:defRPr sz="1813"/>
             </a:lvl7pPr>
-            <a:lvl8pPr marL="2176272" indent="0">
-              <a:buNone/>
-              <a:defRPr sz="1360"/>
+            <a:lvl8pPr marL="2901803" indent="0">
+              <a:buNone/>
+              <a:defRPr sz="1813"/>
             </a:lvl8pPr>
-            <a:lvl9pPr marL="2487168" indent="0">
-              <a:buNone/>
-              <a:defRPr sz="1360"/>
+            <a:lvl9pPr marL="3316346" indent="0">
+              <a:buNone/>
+              <a:defRPr sz="1813"/>
             </a:lvl9pPr>
           </a:lstStyle>
           <a:p>
@@ -2278,8 +2285,8 @@
         </p:nvSpPr>
         <p:spPr>
           <a:xfrm>
-            <a:off x="428314" y="1865471"/>
-            <a:ext cx="2005544" cy="3456017"/>
+            <a:off x="761496" y="1865471"/>
+            <a:ext cx="3565638" cy="3456017"/>
           </a:xfrm>
         </p:spPr>
         <p:txBody>
@@ -2287,39 +2294,39 @@
           <a:lstStyle>
             <a:lvl1pPr marL="0" indent="0">
               <a:buNone/>
+              <a:defRPr sz="1451"/>
+            </a:lvl1pPr>
+            <a:lvl2pPr marL="414543" indent="0">
+              <a:buNone/>
+              <a:defRPr sz="1269"/>
+            </a:lvl2pPr>
+            <a:lvl3pPr marL="829086" indent="0">
+              <a:buNone/>
               <a:defRPr sz="1088"/>
-            </a:lvl1pPr>
-            <a:lvl2pPr marL="310896" indent="0">
-              <a:buNone/>
-              <a:defRPr sz="952"/>
-            </a:lvl2pPr>
-            <a:lvl3pPr marL="621792" indent="0">
-              <a:buNone/>
-              <a:defRPr sz="816"/>
             </a:lvl3pPr>
-            <a:lvl4pPr marL="932688" indent="0">
-              <a:buNone/>
-              <a:defRPr sz="680"/>
+            <a:lvl4pPr marL="1243630" indent="0">
+              <a:buNone/>
+              <a:defRPr sz="907"/>
             </a:lvl4pPr>
-            <a:lvl5pPr marL="1243584" indent="0">
-              <a:buNone/>
-              <a:defRPr sz="680"/>
+            <a:lvl5pPr marL="1658173" indent="0">
+              <a:buNone/>
+              <a:defRPr sz="907"/>
             </a:lvl5pPr>
-            <a:lvl6pPr marL="1554480" indent="0">
-              <a:buNone/>
-              <a:defRPr sz="680"/>
+            <a:lvl6pPr marL="2072716" indent="0">
+              <a:buNone/>
+              <a:defRPr sz="907"/>
             </a:lvl6pPr>
-            <a:lvl7pPr marL="1865376" indent="0">
-              <a:buNone/>
-              <a:defRPr sz="680"/>
+            <a:lvl7pPr marL="2487259" indent="0">
+              <a:buNone/>
+              <a:defRPr sz="907"/>
             </a:lvl7pPr>
-            <a:lvl8pPr marL="2176272" indent="0">
-              <a:buNone/>
-              <a:defRPr sz="680"/>
+            <a:lvl8pPr marL="2901803" indent="0">
+              <a:buNone/>
+              <a:defRPr sz="907"/>
             </a:lvl8pPr>
-            <a:lvl9pPr marL="2487168" indent="0">
-              <a:buNone/>
-              <a:defRPr sz="680"/>
+            <a:lvl9pPr marL="3316346" indent="0">
+              <a:buNone/>
+              <a:defRPr sz="907"/>
             </a:lvl9pPr>
           </a:lstStyle>
           <a:p>
@@ -2348,7 +2355,7 @@
           <a:p>
             <a:fld id="{1443360F-6A4A-114B-BF4E-EC83570D5527}" type="datetimeFigureOut">
               <a:rPr lang="en-US" smtClean="0"/>
-              <a:t>12/7/25</a:t>
+              <a:t>12/8/25</a:t>
             </a:fld>
             <a:endParaRPr lang="en-US"/>
           </a:p>
@@ -2399,7 +2406,7 @@
     </p:spTree>
     <p:extLst>
       <p:ext uri="{BB962C8B-B14F-4D97-AF65-F5344CB8AC3E}">
-        <p14:creationId xmlns:p14="http://schemas.microsoft.com/office/powerpoint/2010/main" val="3023731240"/>
+        <p14:creationId xmlns:p14="http://schemas.microsoft.com/office/powerpoint/2010/main" val="2576015026"/>
       </p:ext>
     </p:extLst>
   </p:cSld>
@@ -2443,8 +2450,8 @@
         </p:nvSpPr>
         <p:spPr>
           <a:xfrm>
-            <a:off x="427504" y="331065"/>
-            <a:ext cx="5363230" cy="1201905"/>
+            <a:off x="760056" y="331064"/>
+            <a:ext cx="9535239" cy="1201905"/>
           </a:xfrm>
           <a:prstGeom prst="rect">
             <a:avLst/>
@@ -2476,8 +2483,8 @@
         </p:nvSpPr>
         <p:spPr>
           <a:xfrm>
-            <a:off x="427504" y="1655318"/>
-            <a:ext cx="5363230" cy="3945415"/>
+            <a:off x="760056" y="1655318"/>
+            <a:ext cx="9535239" cy="3945415"/>
           </a:xfrm>
           <a:prstGeom prst="rect">
             <a:avLst/>
@@ -2538,8 +2545,8 @@
         </p:nvSpPr>
         <p:spPr>
           <a:xfrm>
-            <a:off x="427504" y="5763387"/>
-            <a:ext cx="1399104" cy="331064"/>
+            <a:off x="760055" y="5763386"/>
+            <a:ext cx="2487454" cy="331064"/>
           </a:xfrm>
           <a:prstGeom prst="rect">
             <a:avLst/>
@@ -2549,7 +2556,7 @@
           <a:bodyPr vert="horz" lIns="91440" tIns="45720" rIns="91440" bIns="45720" rtlCol="0" anchor="ctr"/>
           <a:lstStyle>
             <a:lvl1pPr algn="l">
-              <a:defRPr sz="816">
+              <a:defRPr sz="1088">
                 <a:solidFill>
                   <a:schemeClr val="tx1">
                     <a:tint val="75000"/>
@@ -2561,7 +2568,7 @@
           <a:p>
             <a:fld id="{1443360F-6A4A-114B-BF4E-EC83570D5527}" type="datetimeFigureOut">
               <a:rPr lang="en-US" smtClean="0"/>
-              <a:t>12/7/25</a:t>
+              <a:t>12/8/25</a:t>
             </a:fld>
             <a:endParaRPr lang="en-US"/>
           </a:p>
@@ -2579,8 +2586,8 @@
         </p:nvSpPr>
         <p:spPr>
           <a:xfrm>
-            <a:off x="2059792" y="5763387"/>
-            <a:ext cx="2098655" cy="331064"/>
+            <a:off x="3662085" y="5763386"/>
+            <a:ext cx="3731181" cy="331064"/>
           </a:xfrm>
           <a:prstGeom prst="rect">
             <a:avLst/>
@@ -2590,7 +2597,7 @@
           <a:bodyPr vert="horz" lIns="91440" tIns="45720" rIns="91440" bIns="45720" rtlCol="0" anchor="ctr"/>
           <a:lstStyle>
             <a:lvl1pPr algn="ctr">
-              <a:defRPr sz="816">
+              <a:defRPr sz="1088">
                 <a:solidFill>
                   <a:schemeClr val="tx1">
                     <a:tint val="75000"/>
@@ -2616,8 +2623,8 @@
         </p:nvSpPr>
         <p:spPr>
           <a:xfrm>
-            <a:off x="4391630" y="5763387"/>
-            <a:ext cx="1399104" cy="331064"/>
+            <a:off x="7807841" y="5763386"/>
+            <a:ext cx="2487454" cy="331064"/>
           </a:xfrm>
           <a:prstGeom prst="rect">
             <a:avLst/>
@@ -2627,7 +2634,7 @@
           <a:bodyPr vert="horz" lIns="91440" tIns="45720" rIns="91440" bIns="45720" rtlCol="0" anchor="ctr"/>
           <a:lstStyle>
             <a:lvl1pPr algn="r">
-              <a:defRPr sz="816">
+              <a:defRPr sz="1088">
                 <a:solidFill>
                   <a:schemeClr val="tx1">
                     <a:tint val="75000"/>
@@ -2648,27 +2655,27 @@
     </p:spTree>
     <p:extLst>
       <p:ext uri="{BB962C8B-B14F-4D97-AF65-F5344CB8AC3E}">
-        <p14:creationId xmlns:p14="http://schemas.microsoft.com/office/powerpoint/2010/main" val="1243213155"/>
+        <p14:creationId xmlns:p14="http://schemas.microsoft.com/office/powerpoint/2010/main" val="2307912921"/>
       </p:ext>
     </p:extLst>
   </p:cSld>
   <p:clrMap bg1="lt1" tx1="dk1" bg2="lt2" tx2="dk2" accent1="accent1" accent2="accent2" accent3="accent3" accent4="accent4" accent5="accent5" accent6="accent6" hlink="hlink" folHlink="folHlink"/>
   <p:sldLayoutIdLst>
-    <p:sldLayoutId id="2147483685" r:id="rId1"/>
-    <p:sldLayoutId id="2147483686" r:id="rId2"/>
-    <p:sldLayoutId id="2147483687" r:id="rId3"/>
-    <p:sldLayoutId id="2147483688" r:id="rId4"/>
-    <p:sldLayoutId id="2147483689" r:id="rId5"/>
-    <p:sldLayoutId id="2147483690" r:id="rId6"/>
-    <p:sldLayoutId id="2147483691" r:id="rId7"/>
-    <p:sldLayoutId id="2147483692" r:id="rId8"/>
-    <p:sldLayoutId id="2147483693" r:id="rId9"/>
-    <p:sldLayoutId id="2147483694" r:id="rId10"/>
-    <p:sldLayoutId id="2147483695" r:id="rId11"/>
+    <p:sldLayoutId id="2147483721" r:id="rId1"/>
+    <p:sldLayoutId id="2147483722" r:id="rId2"/>
+    <p:sldLayoutId id="2147483723" r:id="rId3"/>
+    <p:sldLayoutId id="2147483724" r:id="rId4"/>
+    <p:sldLayoutId id="2147483725" r:id="rId5"/>
+    <p:sldLayoutId id="2147483726" r:id="rId6"/>
+    <p:sldLayoutId id="2147483727" r:id="rId7"/>
+    <p:sldLayoutId id="2147483728" r:id="rId8"/>
+    <p:sldLayoutId id="2147483729" r:id="rId9"/>
+    <p:sldLayoutId id="2147483730" r:id="rId10"/>
+    <p:sldLayoutId id="2147483731" r:id="rId11"/>
   </p:sldLayoutIdLst>
   <p:txStyles>
     <p:titleStyle>
-      <a:lvl1pPr algn="l" defTabSz="621792" rtl="0" eaLnBrk="1" latinLnBrk="0" hangingPunct="1">
+      <a:lvl1pPr algn="l" defTabSz="829086" rtl="0" eaLnBrk="1" latinLnBrk="0" hangingPunct="1">
         <a:lnSpc>
           <a:spcPct val="90000"/>
         </a:lnSpc>
@@ -2676,7 +2683,7 @@
           <a:spcPct val="0"/>
         </a:spcBef>
         <a:buNone/>
-        <a:defRPr sz="2992" kern="1200">
+        <a:defRPr sz="3989" kern="1200">
           <a:solidFill>
             <a:schemeClr val="tx1"/>
           </a:solidFill>
@@ -2687,16 +2694,16 @@
       </a:lvl1pPr>
     </p:titleStyle>
     <p:bodyStyle>
-      <a:lvl1pPr marL="155448" indent="-155448" algn="l" defTabSz="621792" rtl="0" eaLnBrk="1" latinLnBrk="0" hangingPunct="1">
+      <a:lvl1pPr marL="207272" indent="-207272" algn="l" defTabSz="829086" rtl="0" eaLnBrk="1" latinLnBrk="0" hangingPunct="1">
         <a:lnSpc>
           <a:spcPct val="90000"/>
         </a:lnSpc>
         <a:spcBef>
-          <a:spcPts val="680"/>
+          <a:spcPts val="907"/>
         </a:spcBef>
         <a:buFont typeface="Arial" panose="020B0604020202020204" pitchFamily="34" charset="0"/>
         <a:buChar char="•"/>
-        <a:defRPr sz="1904" kern="1200">
+        <a:defRPr sz="2539" kern="1200">
           <a:solidFill>
             <a:schemeClr val="tx1"/>
           </a:solidFill>
@@ -2705,12 +2712,48 @@
           <a:cs typeface="+mn-cs"/>
         </a:defRPr>
       </a:lvl1pPr>
-      <a:lvl2pPr marL="466344" indent="-155448" algn="l" defTabSz="621792" rtl="0" eaLnBrk="1" latinLnBrk="0" hangingPunct="1">
+      <a:lvl2pPr marL="621815" indent="-207272" algn="l" defTabSz="829086" rtl="0" eaLnBrk="1" latinLnBrk="0" hangingPunct="1">
         <a:lnSpc>
           <a:spcPct val="90000"/>
         </a:lnSpc>
         <a:spcBef>
-          <a:spcPts val="340"/>
+          <a:spcPts val="453"/>
+        </a:spcBef>
+        <a:buFont typeface="Arial" panose="020B0604020202020204" pitchFamily="34" charset="0"/>
+        <a:buChar char="•"/>
+        <a:defRPr sz="2176" kern="1200">
+          <a:solidFill>
+            <a:schemeClr val="tx1"/>
+          </a:solidFill>
+          <a:latin typeface="+mn-lt"/>
+          <a:ea typeface="+mn-ea"/>
+          <a:cs typeface="+mn-cs"/>
+        </a:defRPr>
+      </a:lvl2pPr>
+      <a:lvl3pPr marL="1036358" indent="-207272" algn="l" defTabSz="829086" rtl="0" eaLnBrk="1" latinLnBrk="0" hangingPunct="1">
+        <a:lnSpc>
+          <a:spcPct val="90000"/>
+        </a:lnSpc>
+        <a:spcBef>
+          <a:spcPts val="453"/>
+        </a:spcBef>
+        <a:buFont typeface="Arial" panose="020B0604020202020204" pitchFamily="34" charset="0"/>
+        <a:buChar char="•"/>
+        <a:defRPr sz="1813" kern="1200">
+          <a:solidFill>
+            <a:schemeClr val="tx1"/>
+          </a:solidFill>
+          <a:latin typeface="+mn-lt"/>
+          <a:ea typeface="+mn-ea"/>
+          <a:cs typeface="+mn-cs"/>
+        </a:defRPr>
+      </a:lvl3pPr>
+      <a:lvl4pPr marL="1450901" indent="-207272" algn="l" defTabSz="829086" rtl="0" eaLnBrk="1" latinLnBrk="0" hangingPunct="1">
+        <a:lnSpc>
+          <a:spcPct val="90000"/>
+        </a:lnSpc>
+        <a:spcBef>
+          <a:spcPts val="453"/>
         </a:spcBef>
         <a:buFont typeface="Arial" panose="020B0604020202020204" pitchFamily="34" charset="0"/>
         <a:buChar char="•"/>
@@ -2722,53 +2765,17 @@
           <a:ea typeface="+mn-ea"/>
           <a:cs typeface="+mn-cs"/>
         </a:defRPr>
-      </a:lvl2pPr>
-      <a:lvl3pPr marL="777240" indent="-155448" algn="l" defTabSz="621792" rtl="0" eaLnBrk="1" latinLnBrk="0" hangingPunct="1">
+      </a:lvl4pPr>
+      <a:lvl5pPr marL="1865445" indent="-207272" algn="l" defTabSz="829086" rtl="0" eaLnBrk="1" latinLnBrk="0" hangingPunct="1">
         <a:lnSpc>
           <a:spcPct val="90000"/>
         </a:lnSpc>
         <a:spcBef>
-          <a:spcPts val="340"/>
+          <a:spcPts val="453"/>
         </a:spcBef>
         <a:buFont typeface="Arial" panose="020B0604020202020204" pitchFamily="34" charset="0"/>
         <a:buChar char="•"/>
-        <a:defRPr sz="1360" kern="1200">
-          <a:solidFill>
-            <a:schemeClr val="tx1"/>
-          </a:solidFill>
-          <a:latin typeface="+mn-lt"/>
-          <a:ea typeface="+mn-ea"/>
-          <a:cs typeface="+mn-cs"/>
-        </a:defRPr>
-      </a:lvl3pPr>
-      <a:lvl4pPr marL="1088136" indent="-155448" algn="l" defTabSz="621792" rtl="0" eaLnBrk="1" latinLnBrk="0" hangingPunct="1">
-        <a:lnSpc>
-          <a:spcPct val="90000"/>
-        </a:lnSpc>
-        <a:spcBef>
-          <a:spcPts val="340"/>
-        </a:spcBef>
-        <a:buFont typeface="Arial" panose="020B0604020202020204" pitchFamily="34" charset="0"/>
-        <a:buChar char="•"/>
-        <a:defRPr sz="1224" kern="1200">
-          <a:solidFill>
-            <a:schemeClr val="tx1"/>
-          </a:solidFill>
-          <a:latin typeface="+mn-lt"/>
-          <a:ea typeface="+mn-ea"/>
-          <a:cs typeface="+mn-cs"/>
-        </a:defRPr>
-      </a:lvl4pPr>
-      <a:lvl5pPr marL="1399032" indent="-155448" algn="l" defTabSz="621792" rtl="0" eaLnBrk="1" latinLnBrk="0" hangingPunct="1">
-        <a:lnSpc>
-          <a:spcPct val="90000"/>
-        </a:lnSpc>
-        <a:spcBef>
-          <a:spcPts val="340"/>
-        </a:spcBef>
-        <a:buFont typeface="Arial" panose="020B0604020202020204" pitchFamily="34" charset="0"/>
-        <a:buChar char="•"/>
-        <a:defRPr sz="1224" kern="1200">
+        <a:defRPr sz="1632" kern="1200">
           <a:solidFill>
             <a:schemeClr val="tx1"/>
           </a:solidFill>
@@ -2777,16 +2784,16 @@
           <a:cs typeface="+mn-cs"/>
         </a:defRPr>
       </a:lvl5pPr>
-      <a:lvl6pPr marL="1709928" indent="-155448" algn="l" defTabSz="621792" rtl="0" eaLnBrk="1" latinLnBrk="0" hangingPunct="1">
+      <a:lvl6pPr marL="2279988" indent="-207272" algn="l" defTabSz="829086" rtl="0" eaLnBrk="1" latinLnBrk="0" hangingPunct="1">
         <a:lnSpc>
           <a:spcPct val="90000"/>
         </a:lnSpc>
         <a:spcBef>
-          <a:spcPts val="340"/>
+          <a:spcPts val="453"/>
         </a:spcBef>
         <a:buFont typeface="Arial" panose="020B0604020202020204" pitchFamily="34" charset="0"/>
         <a:buChar char="•"/>
-        <a:defRPr sz="1224" kern="1200">
+        <a:defRPr sz="1632" kern="1200">
           <a:solidFill>
             <a:schemeClr val="tx1"/>
           </a:solidFill>
@@ -2795,16 +2802,16 @@
           <a:cs typeface="+mn-cs"/>
         </a:defRPr>
       </a:lvl6pPr>
-      <a:lvl7pPr marL="2020824" indent="-155448" algn="l" defTabSz="621792" rtl="0" eaLnBrk="1" latinLnBrk="0" hangingPunct="1">
+      <a:lvl7pPr marL="2694531" indent="-207272" algn="l" defTabSz="829086" rtl="0" eaLnBrk="1" latinLnBrk="0" hangingPunct="1">
         <a:lnSpc>
           <a:spcPct val="90000"/>
         </a:lnSpc>
         <a:spcBef>
-          <a:spcPts val="340"/>
+          <a:spcPts val="453"/>
         </a:spcBef>
         <a:buFont typeface="Arial" panose="020B0604020202020204" pitchFamily="34" charset="0"/>
         <a:buChar char="•"/>
-        <a:defRPr sz="1224" kern="1200">
+        <a:defRPr sz="1632" kern="1200">
           <a:solidFill>
             <a:schemeClr val="tx1"/>
           </a:solidFill>
@@ -2813,16 +2820,16 @@
           <a:cs typeface="+mn-cs"/>
         </a:defRPr>
       </a:lvl7pPr>
-      <a:lvl8pPr marL="2331720" indent="-155448" algn="l" defTabSz="621792" rtl="0" eaLnBrk="1" latinLnBrk="0" hangingPunct="1">
+      <a:lvl8pPr marL="3109074" indent="-207272" algn="l" defTabSz="829086" rtl="0" eaLnBrk="1" latinLnBrk="0" hangingPunct="1">
         <a:lnSpc>
           <a:spcPct val="90000"/>
         </a:lnSpc>
         <a:spcBef>
-          <a:spcPts val="340"/>
+          <a:spcPts val="453"/>
         </a:spcBef>
         <a:buFont typeface="Arial" panose="020B0604020202020204" pitchFamily="34" charset="0"/>
         <a:buChar char="•"/>
-        <a:defRPr sz="1224" kern="1200">
+        <a:defRPr sz="1632" kern="1200">
           <a:solidFill>
             <a:schemeClr val="tx1"/>
           </a:solidFill>
@@ -2831,16 +2838,16 @@
           <a:cs typeface="+mn-cs"/>
         </a:defRPr>
       </a:lvl8pPr>
-      <a:lvl9pPr marL="2642616" indent="-155448" algn="l" defTabSz="621792" rtl="0" eaLnBrk="1" latinLnBrk="0" hangingPunct="1">
+      <a:lvl9pPr marL="3523618" indent="-207272" algn="l" defTabSz="829086" rtl="0" eaLnBrk="1" latinLnBrk="0" hangingPunct="1">
         <a:lnSpc>
           <a:spcPct val="90000"/>
         </a:lnSpc>
         <a:spcBef>
-          <a:spcPts val="340"/>
+          <a:spcPts val="453"/>
         </a:spcBef>
         <a:buFont typeface="Arial" panose="020B0604020202020204" pitchFamily="34" charset="0"/>
         <a:buChar char="•"/>
-        <a:defRPr sz="1224" kern="1200">
+        <a:defRPr sz="1632" kern="1200">
           <a:solidFill>
             <a:schemeClr val="tx1"/>
           </a:solidFill>
@@ -2854,8 +2861,8 @@
       <a:defPPr>
         <a:defRPr lang="en-US"/>
       </a:defPPr>
-      <a:lvl1pPr marL="0" algn="l" defTabSz="621792" rtl="0" eaLnBrk="1" latinLnBrk="0" hangingPunct="1">
-        <a:defRPr sz="1224" kern="1200">
+      <a:lvl1pPr marL="0" algn="l" defTabSz="829086" rtl="0" eaLnBrk="1" latinLnBrk="0" hangingPunct="1">
+        <a:defRPr sz="1632" kern="1200">
           <a:solidFill>
             <a:schemeClr val="tx1"/>
           </a:solidFill>
@@ -2864,8 +2871,8 @@
           <a:cs typeface="+mn-cs"/>
         </a:defRPr>
       </a:lvl1pPr>
-      <a:lvl2pPr marL="310896" algn="l" defTabSz="621792" rtl="0" eaLnBrk="1" latinLnBrk="0" hangingPunct="1">
-        <a:defRPr sz="1224" kern="1200">
+      <a:lvl2pPr marL="414543" algn="l" defTabSz="829086" rtl="0" eaLnBrk="1" latinLnBrk="0" hangingPunct="1">
+        <a:defRPr sz="1632" kern="1200">
           <a:solidFill>
             <a:schemeClr val="tx1"/>
           </a:solidFill>
@@ -2874,8 +2881,8 @@
           <a:cs typeface="+mn-cs"/>
         </a:defRPr>
       </a:lvl2pPr>
-      <a:lvl3pPr marL="621792" algn="l" defTabSz="621792" rtl="0" eaLnBrk="1" latinLnBrk="0" hangingPunct="1">
-        <a:defRPr sz="1224" kern="1200">
+      <a:lvl3pPr marL="829086" algn="l" defTabSz="829086" rtl="0" eaLnBrk="1" latinLnBrk="0" hangingPunct="1">
+        <a:defRPr sz="1632" kern="1200">
           <a:solidFill>
             <a:schemeClr val="tx1"/>
           </a:solidFill>
@@ -2884,8 +2891,8 @@
           <a:cs typeface="+mn-cs"/>
         </a:defRPr>
       </a:lvl3pPr>
-      <a:lvl4pPr marL="932688" algn="l" defTabSz="621792" rtl="0" eaLnBrk="1" latinLnBrk="0" hangingPunct="1">
-        <a:defRPr sz="1224" kern="1200">
+      <a:lvl4pPr marL="1243630" algn="l" defTabSz="829086" rtl="0" eaLnBrk="1" latinLnBrk="0" hangingPunct="1">
+        <a:defRPr sz="1632" kern="1200">
           <a:solidFill>
             <a:schemeClr val="tx1"/>
           </a:solidFill>
@@ -2894,8 +2901,8 @@
           <a:cs typeface="+mn-cs"/>
         </a:defRPr>
       </a:lvl4pPr>
-      <a:lvl5pPr marL="1243584" algn="l" defTabSz="621792" rtl="0" eaLnBrk="1" latinLnBrk="0" hangingPunct="1">
-        <a:defRPr sz="1224" kern="1200">
+      <a:lvl5pPr marL="1658173" algn="l" defTabSz="829086" rtl="0" eaLnBrk="1" latinLnBrk="0" hangingPunct="1">
+        <a:defRPr sz="1632" kern="1200">
           <a:solidFill>
             <a:schemeClr val="tx1"/>
           </a:solidFill>
@@ -2904,8 +2911,8 @@
           <a:cs typeface="+mn-cs"/>
         </a:defRPr>
       </a:lvl5pPr>
-      <a:lvl6pPr marL="1554480" algn="l" defTabSz="621792" rtl="0" eaLnBrk="1" latinLnBrk="0" hangingPunct="1">
-        <a:defRPr sz="1224" kern="1200">
+      <a:lvl6pPr marL="2072716" algn="l" defTabSz="829086" rtl="0" eaLnBrk="1" latinLnBrk="0" hangingPunct="1">
+        <a:defRPr sz="1632" kern="1200">
           <a:solidFill>
             <a:schemeClr val="tx1"/>
           </a:solidFill>
@@ -2914,8 +2921,8 @@
           <a:cs typeface="+mn-cs"/>
         </a:defRPr>
       </a:lvl6pPr>
-      <a:lvl7pPr marL="1865376" algn="l" defTabSz="621792" rtl="0" eaLnBrk="1" latinLnBrk="0" hangingPunct="1">
-        <a:defRPr sz="1224" kern="1200">
+      <a:lvl7pPr marL="2487259" algn="l" defTabSz="829086" rtl="0" eaLnBrk="1" latinLnBrk="0" hangingPunct="1">
+        <a:defRPr sz="1632" kern="1200">
           <a:solidFill>
             <a:schemeClr val="tx1"/>
           </a:solidFill>
@@ -2924,8 +2931,8 @@
           <a:cs typeface="+mn-cs"/>
         </a:defRPr>
       </a:lvl7pPr>
-      <a:lvl8pPr marL="2176272" algn="l" defTabSz="621792" rtl="0" eaLnBrk="1" latinLnBrk="0" hangingPunct="1">
-        <a:defRPr sz="1224" kern="1200">
+      <a:lvl8pPr marL="2901803" algn="l" defTabSz="829086" rtl="0" eaLnBrk="1" latinLnBrk="0" hangingPunct="1">
+        <a:defRPr sz="1632" kern="1200">
           <a:solidFill>
             <a:schemeClr val="tx1"/>
           </a:solidFill>
@@ -2934,8 +2941,8 @@
           <a:cs typeface="+mn-cs"/>
         </a:defRPr>
       </a:lvl8pPr>
-      <a:lvl9pPr marL="2487168" algn="l" defTabSz="621792" rtl="0" eaLnBrk="1" latinLnBrk="0" hangingPunct="1">
-        <a:defRPr sz="1224" kern="1200">
+      <a:lvl9pPr marL="3316346" algn="l" defTabSz="829086" rtl="0" eaLnBrk="1" latinLnBrk="0" hangingPunct="1">
+        <a:defRPr sz="1632" kern="1200">
           <a:solidFill>
             <a:schemeClr val="tx1"/>
           </a:solidFill>
@@ -2980,7 +2987,7 @@
         </p:nvGrpSpPr>
         <p:grpSpPr>
           <a:xfrm>
-            <a:off x="226840" y="233680"/>
+            <a:off x="2645399" y="233683"/>
             <a:ext cx="5737967" cy="5737967"/>
             <a:chOff x="3044283" y="529683"/>
             <a:chExt cx="5798634" cy="5798634"/>
@@ -3036,84 +3043,24 @@
             <a:lstStyle/>
             <a:p>
               <a:pPr algn="ctr"/>
-              <a:endParaRPr lang="en-US" sz="1545" dirty="0">
-                <a:solidFill>
-                  <a:schemeClr val="bg1"/>
-                </a:solidFill>
-                <a:latin typeface="Helvetica" pitchFamily="2" charset="0"/>
-              </a:endParaRPr>
-            </a:p>
-            <a:p>
-              <a:pPr algn="ctr"/>
-              <a:endParaRPr lang="en-US" sz="1545" dirty="0">
-                <a:solidFill>
-                  <a:schemeClr val="bg1"/>
-                </a:solidFill>
-                <a:latin typeface="Helvetica" pitchFamily="2" charset="0"/>
-              </a:endParaRPr>
-            </a:p>
-            <a:p>
-              <a:pPr algn="ctr"/>
-              <a:endParaRPr lang="en-US" sz="1545" dirty="0">
-                <a:solidFill>
-                  <a:schemeClr val="bg1"/>
-                </a:solidFill>
-                <a:latin typeface="Helvetica" pitchFamily="2" charset="0"/>
-              </a:endParaRPr>
-            </a:p>
-            <a:p>
-              <a:pPr algn="ctr"/>
-              <a:endParaRPr lang="en-US" sz="1545" dirty="0">
-                <a:solidFill>
-                  <a:schemeClr val="bg1"/>
-                </a:solidFill>
-                <a:latin typeface="Helvetica" pitchFamily="2" charset="0"/>
-              </a:endParaRPr>
-            </a:p>
-            <a:p>
-              <a:pPr algn="ctr"/>
-              <a:endParaRPr lang="en-US" sz="1545" dirty="0">
-                <a:solidFill>
-                  <a:schemeClr val="bg1"/>
-                </a:solidFill>
-                <a:latin typeface="Helvetica" pitchFamily="2" charset="0"/>
-              </a:endParaRPr>
-            </a:p>
-            <a:p>
-              <a:pPr algn="ctr"/>
-              <a:endParaRPr lang="en-US" sz="1545">
-                <a:solidFill>
-                  <a:schemeClr val="bg1"/>
-                </a:solidFill>
-                <a:latin typeface="Helvetica" pitchFamily="2" charset="0"/>
-              </a:endParaRPr>
+              <a:r>
+                <a:rPr lang="en-US" sz="2200" dirty="0">
+                  <a:solidFill>
+                    <a:schemeClr val="bg1"/>
+                  </a:solidFill>
+                  <a:latin typeface="Aptos" panose="020B0004020202020204" pitchFamily="34" charset="0"/>
+                </a:rPr>
+                <a:t>Collective </a:t>
+              </a:r>
             </a:p>
             <a:p>
               <a:pPr algn="ctr"/>
               <a:r>
-                <a:rPr lang="en-US" sz="1545">
+                <a:rPr lang="en-US" sz="2200" dirty="0">
                   <a:solidFill>
                     <a:schemeClr val="bg1"/>
                   </a:solidFill>
-                  <a:latin typeface="Helvetica" pitchFamily="2" charset="0"/>
-                </a:rPr>
-                <a:t>Collective </a:t>
-              </a:r>
-              <a:endParaRPr lang="en-US" sz="1545" dirty="0">
-                <a:solidFill>
-                  <a:schemeClr val="bg1"/>
-                </a:solidFill>
-                <a:latin typeface="Helvetica" pitchFamily="2" charset="0"/>
-              </a:endParaRPr>
-            </a:p>
-            <a:p>
-              <a:pPr algn="ctr"/>
-              <a:r>
-                <a:rPr lang="en-US" sz="1545" dirty="0">
-                  <a:solidFill>
-                    <a:schemeClr val="bg1"/>
-                  </a:solidFill>
-                  <a:latin typeface="Helvetica" pitchFamily="2" charset="0"/>
+                  <a:latin typeface="Aptos" panose="020B0004020202020204" pitchFamily="34" charset="0"/>
                 </a:rPr>
                 <a:t>intelligence (CI)</a:t>
               </a:r>
@@ -3134,8 +3081,8 @@
           </p:nvSpPr>
           <p:spPr>
             <a:xfrm>
-              <a:off x="4440974" y="3969833"/>
-              <a:ext cx="2246970" cy="2246970"/>
+              <a:off x="4174021" y="3571485"/>
+              <a:ext cx="2655586" cy="2655586"/>
             </a:xfrm>
             <a:prstGeom prst="ellipse">
               <a:avLst/>
@@ -3171,11 +3118,11 @@
             <a:p>
               <a:pPr algn="ctr"/>
               <a:r>
-                <a:rPr lang="en-US" sz="1545" dirty="0">
+                <a:rPr lang="en-US" sz="2200" dirty="0">
                   <a:solidFill>
                     <a:schemeClr val="tx1"/>
                   </a:solidFill>
-                  <a:latin typeface="Helvetica" pitchFamily="2" charset="0"/>
+                  <a:latin typeface="Aptos" panose="020B0004020202020204" pitchFamily="34" charset="0"/>
                 </a:rPr>
                 <a:t>Collective memory (CM)</a:t>
               </a:r>
@@ -3183,6 +3130,100 @@
           </p:txBody>
         </p:sp>
       </p:grpSp>
+      <p:sp>
+        <p:nvSpPr>
+          <p:cNvPr id="2" name="TextBox 1">
+            <a:extLst>
+              <a:ext uri="{FF2B5EF4-FFF2-40B4-BE49-F238E27FC236}">
+                <a16:creationId xmlns:a16="http://schemas.microsoft.com/office/drawing/2014/main" id="{1F60FADE-F379-23D4-4569-AEFB12DF935A}"/>
+              </a:ext>
+            </a:extLst>
+          </p:cNvPr>
+          <p:cNvSpPr txBox="1"/>
+          <p:nvPr/>
+        </p:nvSpPr>
+        <p:spPr>
+          <a:xfrm>
+            <a:off x="8168640" y="619760"/>
+            <a:ext cx="2143792" cy="415498"/>
+          </a:xfrm>
+          <a:prstGeom prst="rect">
+            <a:avLst/>
+          </a:prstGeom>
+          <a:noFill/>
+        </p:spPr>
+        <p:txBody>
+          <a:bodyPr wrap="none" rtlCol="0">
+            <a:spAutoFit/>
+          </a:bodyPr>
+          <a:lstStyle/>
+          <a:p>
+            <a:pPr marL="285750" indent="-285750">
+              <a:buFont typeface="Arial" panose="020B0604020202020204" pitchFamily="34" charset="0"/>
+              <a:buChar char="•"/>
+            </a:pPr>
+            <a:r>
+              <a:rPr lang="en-US" sz="2100" dirty="0">
+                <a:latin typeface="Aptos" panose="020B0004020202020204" pitchFamily="34" charset="0"/>
+              </a:rPr>
+              <a:t>&lt;Insert notes&gt;</a:t>
+            </a:r>
+          </a:p>
+        </p:txBody>
+      </p:sp>
+      <p:sp>
+        <p:nvSpPr>
+          <p:cNvPr id="8" name="TextBox 7">
+            <a:extLst>
+              <a:ext uri="{FF2B5EF4-FFF2-40B4-BE49-F238E27FC236}">
+                <a16:creationId xmlns:a16="http://schemas.microsoft.com/office/drawing/2014/main" id="{B0779CC1-D8BA-DA4F-4403-7D9F133A7E5D}"/>
+              </a:ext>
+            </a:extLst>
+          </p:cNvPr>
+          <p:cNvSpPr txBox="1"/>
+          <p:nvPr/>
+        </p:nvSpPr>
+        <p:spPr>
+          <a:xfrm>
+            <a:off x="172720" y="4953802"/>
+            <a:ext cx="3373616" cy="738664"/>
+          </a:xfrm>
+          <a:prstGeom prst="rect">
+            <a:avLst/>
+          </a:prstGeom>
+          <a:noFill/>
+        </p:spPr>
+        <p:txBody>
+          <a:bodyPr wrap="none" rtlCol="0">
+            <a:spAutoFit/>
+          </a:bodyPr>
+          <a:lstStyle/>
+          <a:p>
+            <a:pPr marL="285750" indent="-285750">
+              <a:buFont typeface="Arial" panose="020B0604020202020204" pitchFamily="34" charset="0"/>
+              <a:buChar char="•"/>
+            </a:pPr>
+            <a:r>
+              <a:rPr lang="en-US" sz="2100" dirty="0">
+                <a:latin typeface="Aptos" panose="020B0004020202020204" pitchFamily="34" charset="0"/>
+              </a:rPr>
+              <a:t>Shared experience</a:t>
+            </a:r>
+          </a:p>
+          <a:p>
+            <a:pPr marL="285750" indent="-285750">
+              <a:buFont typeface="Arial" panose="020B0604020202020204" pitchFamily="34" charset="0"/>
+              <a:buChar char="•"/>
+            </a:pPr>
+            <a:r>
+              <a:rPr lang="en-US" sz="2100" dirty="0">
+                <a:latin typeface="Aptos" panose="020B0004020202020204" pitchFamily="34" charset="0"/>
+              </a:rPr>
+              <a:t>&lt;other summary notes?&gt;</a:t>
+            </a:r>
+          </a:p>
+        </p:txBody>
+      </p:sp>
     </p:spTree>
     <p:extLst>
       <p:ext uri="{BB962C8B-B14F-4D97-AF65-F5344CB8AC3E}">

--- a/Schematics/CI_CM_VennDiag.pptx
+++ b/Schematics/CI_CM_VennDiag.pptx
@@ -243,7 +243,7 @@
           <a:p>
             <a:fld id="{1443360F-6A4A-114B-BF4E-EC83570D5527}" type="datetimeFigureOut">
               <a:rPr lang="en-US" smtClean="0"/>
-              <a:t>12/8/25</a:t>
+              <a:t>12/16/25</a:t>
             </a:fld>
             <a:endParaRPr lang="en-US"/>
           </a:p>
@@ -413,7 +413,7 @@
           <a:p>
             <a:fld id="{1443360F-6A4A-114B-BF4E-EC83570D5527}" type="datetimeFigureOut">
               <a:rPr lang="en-US" smtClean="0"/>
-              <a:t>12/8/25</a:t>
+              <a:t>12/16/25</a:t>
             </a:fld>
             <a:endParaRPr lang="en-US"/>
           </a:p>
@@ -593,7 +593,7 @@
           <a:p>
             <a:fld id="{1443360F-6A4A-114B-BF4E-EC83570D5527}" type="datetimeFigureOut">
               <a:rPr lang="en-US" smtClean="0"/>
-              <a:t>12/8/25</a:t>
+              <a:t>12/16/25</a:t>
             </a:fld>
             <a:endParaRPr lang="en-US"/>
           </a:p>
@@ -763,7 +763,7 @@
           <a:p>
             <a:fld id="{1443360F-6A4A-114B-BF4E-EC83570D5527}" type="datetimeFigureOut">
               <a:rPr lang="en-US" smtClean="0"/>
-              <a:t>12/8/25</a:t>
+              <a:t>12/16/25</a:t>
             </a:fld>
             <a:endParaRPr lang="en-US"/>
           </a:p>
@@ -1009,7 +1009,7 @@
           <a:p>
             <a:fld id="{1443360F-6A4A-114B-BF4E-EC83570D5527}" type="datetimeFigureOut">
               <a:rPr lang="en-US" smtClean="0"/>
-              <a:t>12/8/25</a:t>
+              <a:t>12/16/25</a:t>
             </a:fld>
             <a:endParaRPr lang="en-US"/>
           </a:p>
@@ -1241,7 +1241,7 @@
           <a:p>
             <a:fld id="{1443360F-6A4A-114B-BF4E-EC83570D5527}" type="datetimeFigureOut">
               <a:rPr lang="en-US" smtClean="0"/>
-              <a:t>12/8/25</a:t>
+              <a:t>12/16/25</a:t>
             </a:fld>
             <a:endParaRPr lang="en-US"/>
           </a:p>
@@ -1608,7 +1608,7 @@
           <a:p>
             <a:fld id="{1443360F-6A4A-114B-BF4E-EC83570D5527}" type="datetimeFigureOut">
               <a:rPr lang="en-US" smtClean="0"/>
-              <a:t>12/8/25</a:t>
+              <a:t>12/16/25</a:t>
             </a:fld>
             <a:endParaRPr lang="en-US"/>
           </a:p>
@@ -1726,7 +1726,7 @@
           <a:p>
             <a:fld id="{1443360F-6A4A-114B-BF4E-EC83570D5527}" type="datetimeFigureOut">
               <a:rPr lang="en-US" smtClean="0"/>
-              <a:t>12/8/25</a:t>
+              <a:t>12/16/25</a:t>
             </a:fld>
             <a:endParaRPr lang="en-US"/>
           </a:p>
@@ -1821,7 +1821,7 @@
           <a:p>
             <a:fld id="{1443360F-6A4A-114B-BF4E-EC83570D5527}" type="datetimeFigureOut">
               <a:rPr lang="en-US" smtClean="0"/>
-              <a:t>12/8/25</a:t>
+              <a:t>12/16/25</a:t>
             </a:fld>
             <a:endParaRPr lang="en-US"/>
           </a:p>
@@ -2098,7 +2098,7 @@
           <a:p>
             <a:fld id="{1443360F-6A4A-114B-BF4E-EC83570D5527}" type="datetimeFigureOut">
               <a:rPr lang="en-US" smtClean="0"/>
-              <a:t>12/8/25</a:t>
+              <a:t>12/16/25</a:t>
             </a:fld>
             <a:endParaRPr lang="en-US"/>
           </a:p>
@@ -2355,7 +2355,7 @@
           <a:p>
             <a:fld id="{1443360F-6A4A-114B-BF4E-EC83570D5527}" type="datetimeFigureOut">
               <a:rPr lang="en-US" smtClean="0"/>
-              <a:t>12/8/25</a:t>
+              <a:t>12/16/25</a:t>
             </a:fld>
             <a:endParaRPr lang="en-US"/>
           </a:p>
@@ -2568,7 +2568,7 @@
           <a:p>
             <a:fld id="{1443360F-6A4A-114B-BF4E-EC83570D5527}" type="datetimeFigureOut">
               <a:rPr lang="en-US" smtClean="0"/>
-              <a:t>12/8/25</a:t>
+              <a:t>12/16/25</a:t>
             </a:fld>
             <a:endParaRPr lang="en-US"/>
           </a:p>
@@ -3224,6 +3224,100 @@
           </a:p>
         </p:txBody>
       </p:sp>
+      <p:cxnSp>
+        <p:nvCxnSpPr>
+          <p:cNvPr id="15" name="Elbow Connector 14">
+            <a:extLst>
+              <a:ext uri="{FF2B5EF4-FFF2-40B4-BE49-F238E27FC236}">
+                <a16:creationId xmlns:a16="http://schemas.microsoft.com/office/drawing/2014/main" id="{3FFE81F4-8620-494B-91CD-D419DE806CA6}"/>
+              </a:ext>
+            </a:extLst>
+          </p:cNvPr>
+          <p:cNvCxnSpPr>
+            <a:cxnSpLocks/>
+          </p:cNvCxnSpPr>
+          <p:nvPr/>
+        </p:nvCxnSpPr>
+        <p:spPr>
+          <a:xfrm rot="10800000" flipV="1">
+            <a:off x="1701800" y="4521200"/>
+            <a:ext cx="2222500" cy="432602"/>
+          </a:xfrm>
+          <a:prstGeom prst="bentConnector3">
+            <a:avLst>
+              <a:gd name="adj1" fmla="val 100009"/>
+            </a:avLst>
+          </a:prstGeom>
+          <a:ln>
+            <a:solidFill>
+              <a:schemeClr val="tx1"/>
+            </a:solidFill>
+            <a:headEnd type="oval"/>
+            <a:tailEnd type="triangle"/>
+          </a:ln>
+        </p:spPr>
+        <p:style>
+          <a:lnRef idx="1">
+            <a:schemeClr val="accent1"/>
+          </a:lnRef>
+          <a:fillRef idx="0">
+            <a:schemeClr val="accent1"/>
+          </a:fillRef>
+          <a:effectRef idx="0">
+            <a:schemeClr val="accent1"/>
+          </a:effectRef>
+          <a:fontRef idx="minor">
+            <a:schemeClr val="tx1"/>
+          </a:fontRef>
+        </p:style>
+      </p:cxnSp>
+      <p:cxnSp>
+        <p:nvCxnSpPr>
+          <p:cNvPr id="20" name="Elbow Connector 19">
+            <a:extLst>
+              <a:ext uri="{FF2B5EF4-FFF2-40B4-BE49-F238E27FC236}">
+                <a16:creationId xmlns:a16="http://schemas.microsoft.com/office/drawing/2014/main" id="{315F72C3-C155-9B5E-03B2-17B3E99F6CF6}"/>
+              </a:ext>
+            </a:extLst>
+          </p:cNvPr>
+          <p:cNvCxnSpPr>
+            <a:cxnSpLocks/>
+          </p:cNvCxnSpPr>
+          <p:nvPr/>
+        </p:nvCxnSpPr>
+        <p:spPr>
+          <a:xfrm rot="5400000" flipH="1" flipV="1">
+            <a:off x="7822430" y="1649719"/>
+            <a:ext cx="1940155" cy="1247731"/>
+          </a:xfrm>
+          <a:prstGeom prst="bentConnector3">
+            <a:avLst>
+              <a:gd name="adj1" fmla="val -139"/>
+            </a:avLst>
+          </a:prstGeom>
+          <a:ln>
+            <a:solidFill>
+              <a:schemeClr val="tx1"/>
+            </a:solidFill>
+            <a:headEnd type="oval"/>
+            <a:tailEnd type="triangle"/>
+          </a:ln>
+        </p:spPr>
+        <p:style>
+          <a:lnRef idx="1">
+            <a:schemeClr val="accent1"/>
+          </a:lnRef>
+          <a:fillRef idx="0">
+            <a:schemeClr val="accent1"/>
+          </a:fillRef>
+          <a:effectRef idx="0">
+            <a:schemeClr val="accent1"/>
+          </a:effectRef>
+          <a:fontRef idx="minor">
+            <a:schemeClr val="tx1"/>
+          </a:fontRef>
+        </p:style>
+      </p:cxnSp>
     </p:spTree>
     <p:extLst>
       <p:ext uri="{BB962C8B-B14F-4D97-AF65-F5344CB8AC3E}">
